--- a/public/user/output/U201812791-刘棫欣-1.《喜马拉雅FM免费增值策略对用户留存的影响的实证研究》/output_4_6.pptx
+++ b/public/user/output/U201812791-刘棫欣-1.《喜马拉雅FM免费增值策略对用户留存的影响的实证研究》/output_4_6.pptx
@@ -3619,7 +3619,7 @@
               </a:defRPr>
             </a:pPr>
             <a:r>
-              <a:t>4. 针对 H1 与模型结果不一致，通过散点图及方差分析探究原因：先做付费转化率与收费节点简单线性回归并画二维散点图，发现不同收费节点位置有不同付费转化率情况。</a:t>
+              <a:t>4. 针对 H1 与模型结果不一致，通过散点图及方差分析探究原因，先进行付费转化率与收费节点简单线性回归并画二维散点图，发现不同收费节点位置有不同付费转化率情况。</a:t>
             </a:r>
           </a:p>
         </p:txBody>
@@ -3655,7 +3655,7 @@
               </a:defRPr>
             </a:pPr>
             <a:r>
-              <a:t>5. 方差齐性检验结果：两部分专辑样本量相近，区①专辑所属主播已发布专辑数均值比其余专辑主播多，在 0.01 显著性水平支持该结论。 </a:t>
+              <a:t>5. 方差齐性检验结果表明，两部分专辑样本量相近，区①专辑所属主播已发布专辑数均值比其余专辑主播多，且在 0.01 显著性水平支持该结论。 </a:t>
             </a:r>
           </a:p>
         </p:txBody>
